--- a/doc/오픈소스.pptx
+++ b/doc/오픈소스.pptx
@@ -243,7 +243,7 @@
           <a:p>
             <a:fld id="{5602CA06-231E-44B3-876A-CA9DFDA64565}" type="datetimeFigureOut">
               <a:rPr lang="ko-KR" altLang="en-US" smtClean="0"/>
-              <a:t>2015-11-29</a:t>
+              <a:t>2015-12-04</a:t>
             </a:fld>
             <a:endParaRPr lang="ko-KR" altLang="en-US"/>
           </a:p>
@@ -413,7 +413,7 @@
           <a:p>
             <a:fld id="{5602CA06-231E-44B3-876A-CA9DFDA64565}" type="datetimeFigureOut">
               <a:rPr lang="ko-KR" altLang="en-US" smtClean="0"/>
-              <a:t>2015-11-29</a:t>
+              <a:t>2015-12-04</a:t>
             </a:fld>
             <a:endParaRPr lang="ko-KR" altLang="en-US"/>
           </a:p>
@@ -593,7 +593,7 @@
           <a:p>
             <a:fld id="{5602CA06-231E-44B3-876A-CA9DFDA64565}" type="datetimeFigureOut">
               <a:rPr lang="ko-KR" altLang="en-US" smtClean="0"/>
-              <a:t>2015-11-29</a:t>
+              <a:t>2015-12-04</a:t>
             </a:fld>
             <a:endParaRPr lang="ko-KR" altLang="en-US"/>
           </a:p>
@@ -763,7 +763,7 @@
           <a:p>
             <a:fld id="{5602CA06-231E-44B3-876A-CA9DFDA64565}" type="datetimeFigureOut">
               <a:rPr lang="ko-KR" altLang="en-US" smtClean="0"/>
-              <a:t>2015-11-29</a:t>
+              <a:t>2015-12-04</a:t>
             </a:fld>
             <a:endParaRPr lang="ko-KR" altLang="en-US"/>
           </a:p>
@@ -1009,7 +1009,7 @@
           <a:p>
             <a:fld id="{5602CA06-231E-44B3-876A-CA9DFDA64565}" type="datetimeFigureOut">
               <a:rPr lang="ko-KR" altLang="en-US" smtClean="0"/>
-              <a:t>2015-11-29</a:t>
+              <a:t>2015-12-04</a:t>
             </a:fld>
             <a:endParaRPr lang="ko-KR" altLang="en-US"/>
           </a:p>
@@ -1241,7 +1241,7 @@
           <a:p>
             <a:fld id="{5602CA06-231E-44B3-876A-CA9DFDA64565}" type="datetimeFigureOut">
               <a:rPr lang="ko-KR" altLang="en-US" smtClean="0"/>
-              <a:t>2015-11-29</a:t>
+              <a:t>2015-12-04</a:t>
             </a:fld>
             <a:endParaRPr lang="ko-KR" altLang="en-US"/>
           </a:p>
@@ -1608,7 +1608,7 @@
           <a:p>
             <a:fld id="{5602CA06-231E-44B3-876A-CA9DFDA64565}" type="datetimeFigureOut">
               <a:rPr lang="ko-KR" altLang="en-US" smtClean="0"/>
-              <a:t>2015-11-29</a:t>
+              <a:t>2015-12-04</a:t>
             </a:fld>
             <a:endParaRPr lang="ko-KR" altLang="en-US"/>
           </a:p>
@@ -1726,7 +1726,7 @@
           <a:p>
             <a:fld id="{5602CA06-231E-44B3-876A-CA9DFDA64565}" type="datetimeFigureOut">
               <a:rPr lang="ko-KR" altLang="en-US" smtClean="0"/>
-              <a:t>2015-11-29</a:t>
+              <a:t>2015-12-04</a:t>
             </a:fld>
             <a:endParaRPr lang="ko-KR" altLang="en-US"/>
           </a:p>
@@ -1821,7 +1821,7 @@
           <a:p>
             <a:fld id="{5602CA06-231E-44B3-876A-CA9DFDA64565}" type="datetimeFigureOut">
               <a:rPr lang="ko-KR" altLang="en-US" smtClean="0"/>
-              <a:t>2015-11-29</a:t>
+              <a:t>2015-12-04</a:t>
             </a:fld>
             <a:endParaRPr lang="ko-KR" altLang="en-US"/>
           </a:p>
@@ -2098,7 +2098,7 @@
           <a:p>
             <a:fld id="{5602CA06-231E-44B3-876A-CA9DFDA64565}" type="datetimeFigureOut">
               <a:rPr lang="ko-KR" altLang="en-US" smtClean="0"/>
-              <a:t>2015-11-29</a:t>
+              <a:t>2015-12-04</a:t>
             </a:fld>
             <a:endParaRPr lang="ko-KR" altLang="en-US"/>
           </a:p>
@@ -2351,7 +2351,7 @@
           <a:p>
             <a:fld id="{5602CA06-231E-44B3-876A-CA9DFDA64565}" type="datetimeFigureOut">
               <a:rPr lang="ko-KR" altLang="en-US" smtClean="0"/>
-              <a:t>2015-11-29</a:t>
+              <a:t>2015-12-04</a:t>
             </a:fld>
             <a:endParaRPr lang="ko-KR" altLang="en-US"/>
           </a:p>
@@ -2564,7 +2564,7 @@
           <a:p>
             <a:fld id="{5602CA06-231E-44B3-876A-CA9DFDA64565}" type="datetimeFigureOut">
               <a:rPr lang="ko-KR" altLang="en-US" smtClean="0"/>
-              <a:t>2015-11-29</a:t>
+              <a:t>2015-12-04</a:t>
             </a:fld>
             <a:endParaRPr lang="ko-KR" altLang="en-US"/>
           </a:p>
@@ -2977,8 +2977,8 @@
         </p:nvGrpSpPr>
         <p:grpSpPr>
           <a:xfrm>
-            <a:off x="6096000" y="1187138"/>
-            <a:ext cx="2374900" cy="1846748"/>
+            <a:off x="5704121" y="1308098"/>
+            <a:ext cx="2374900" cy="1723549"/>
             <a:chOff x="6997700" y="1193800"/>
             <a:chExt cx="3035300" cy="1574646"/>
           </a:xfrm>
@@ -3011,45 +3011,45 @@
             <a:lstStyle/>
             <a:p>
               <a:r>
-                <a:rPr lang="en-US" altLang="ko-KR" sz="2000" dirty="0" smtClean="0"/>
+                <a:rPr lang="en-US" altLang="ko-KR" sz="2000" smtClean="0"/>
                 <a:t>Bank</a:t>
               </a:r>
             </a:p>
             <a:p>
-              <a:endParaRPr lang="en-US" altLang="ko-KR" sz="1400" dirty="0"/>
+              <a:endParaRPr lang="en-US" altLang="ko-KR" sz="1400"/>
             </a:p>
             <a:p>
               <a:r>
-                <a:rPr lang="en-US" altLang="ko-KR" dirty="0"/>
+                <a:rPr lang="en-US" altLang="ko-KR"/>
                 <a:t>d</a:t>
               </a:r>
               <a:r>
-                <a:rPr lang="en-US" altLang="ko-KR" dirty="0" smtClean="0"/>
+                <a:rPr lang="en-US" altLang="ko-KR" smtClean="0"/>
                 <a:t>eposit()</a:t>
               </a:r>
             </a:p>
             <a:p>
               <a:r>
-                <a:rPr lang="en-US" altLang="ko-KR" dirty="0" smtClean="0"/>
+                <a:rPr lang="en-US" altLang="ko-KR" smtClean="0"/>
                 <a:t>withdraw()</a:t>
               </a:r>
             </a:p>
             <a:p>
               <a:r>
-                <a:rPr lang="en-US" altLang="ko-KR" dirty="0"/>
+                <a:rPr lang="en-US" altLang="ko-KR"/>
                 <a:t>t</a:t>
               </a:r>
               <a:r>
-                <a:rPr lang="en-US" altLang="ko-KR" dirty="0" smtClean="0"/>
+                <a:rPr lang="en-US" altLang="ko-KR" smtClean="0"/>
                 <a:t>ransfer()</a:t>
               </a:r>
             </a:p>
             <a:p>
               <a:r>
-                <a:rPr lang="en-US" altLang="ko-KR" dirty="0" smtClean="0"/>
+                <a:rPr lang="en-US" altLang="ko-KR" smtClean="0"/>
                 <a:t>…</a:t>
               </a:r>
-              <a:endParaRPr lang="en-US" altLang="ko-KR" dirty="0"/>
+              <a:endParaRPr lang="en-US" altLang="ko-KR"/>
             </a:p>
           </p:txBody>
         </p:sp>
@@ -3097,8 +3097,8 @@
         </p:nvGrpSpPr>
         <p:grpSpPr>
           <a:xfrm>
-            <a:off x="9820675" y="1187138"/>
-            <a:ext cx="2336800" cy="1846748"/>
+            <a:off x="9599720" y="4734427"/>
+            <a:ext cx="1915515" cy="1593801"/>
             <a:chOff x="9779000" y="1193800"/>
             <a:chExt cx="2336800" cy="1391097"/>
           </a:xfrm>
@@ -3131,49 +3131,49 @@
             <a:lstStyle/>
             <a:p>
               <a:r>
-                <a:rPr lang="en-US" altLang="ko-KR" sz="2000" dirty="0" smtClean="0"/>
+                <a:rPr lang="en-US" altLang="ko-KR" sz="2000" smtClean="0"/>
                 <a:t>Account</a:t>
               </a:r>
             </a:p>
             <a:p>
-              <a:endParaRPr lang="en-US" altLang="ko-KR" sz="900" dirty="0"/>
+              <a:endParaRPr lang="en-US" altLang="ko-KR" sz="900"/>
             </a:p>
             <a:p>
               <a:r>
-                <a:rPr lang="en-US" altLang="ko-KR" dirty="0"/>
+                <a:rPr lang="en-US" altLang="ko-KR"/>
                 <a:t>r</a:t>
               </a:r>
               <a:r>
-                <a:rPr lang="en-US" altLang="ko-KR" dirty="0" smtClean="0"/>
+                <a:rPr lang="en-US" altLang="ko-KR" smtClean="0"/>
                 <a:t>epay()</a:t>
               </a:r>
             </a:p>
             <a:p>
               <a:r>
-                <a:rPr lang="en-US" altLang="ko-KR" dirty="0" err="1" smtClean="0"/>
+                <a:rPr lang="en-US" altLang="ko-KR" err="1" smtClean="0"/>
                 <a:t>makeCard</a:t>
               </a:r>
               <a:r>
-                <a:rPr lang="en-US" altLang="ko-KR" dirty="0" smtClean="0"/>
+                <a:rPr lang="en-US" altLang="ko-KR" smtClean="0"/>
                 <a:t>()</a:t>
               </a:r>
             </a:p>
             <a:p>
               <a:r>
-                <a:rPr lang="en-US" altLang="ko-KR" dirty="0" err="1" smtClean="0"/>
+                <a:rPr lang="en-US" altLang="ko-KR" err="1" smtClean="0"/>
                 <a:t>lostReport</a:t>
               </a:r>
               <a:r>
-                <a:rPr lang="en-US" altLang="ko-KR" dirty="0" smtClean="0"/>
+                <a:rPr lang="en-US" altLang="ko-KR" smtClean="0"/>
                 <a:t>()</a:t>
               </a:r>
             </a:p>
             <a:p>
               <a:r>
-                <a:rPr lang="en-US" altLang="ko-KR" dirty="0" smtClean="0"/>
+                <a:rPr lang="en-US" altLang="ko-KR" smtClean="0"/>
                 <a:t>…</a:t>
               </a:r>
-              <a:endParaRPr lang="en-US" altLang="ko-KR" dirty="0"/>
+              <a:endParaRPr lang="en-US" altLang="ko-KR"/>
             </a:p>
           </p:txBody>
         </p:sp>
@@ -3221,7 +3221,7 @@
         </p:nvGrpSpPr>
         <p:grpSpPr>
           <a:xfrm>
-            <a:off x="8470900" y="1577259"/>
+            <a:off x="8079021" y="1678857"/>
             <a:ext cx="1308100" cy="273092"/>
             <a:chOff x="8470900" y="1577259"/>
             <a:chExt cx="1308100" cy="273092"/>
@@ -3314,7 +3314,7 @@
         </p:nvGrpSpPr>
         <p:grpSpPr>
           <a:xfrm>
-            <a:off x="4877482" y="4635502"/>
+            <a:off x="4485603" y="4737100"/>
             <a:ext cx="1529970" cy="1477328"/>
             <a:chOff x="-627427" y="1020055"/>
             <a:chExt cx="3072183" cy="2000042"/>
@@ -3348,22 +3348,25 @@
             <a:lstStyle/>
             <a:p>
               <a:r>
-                <a:rPr lang="en-US" altLang="ko-KR" dirty="0" err="1" smtClean="0"/>
+                <a:rPr lang="en-US" altLang="ko-KR" err="1" smtClean="0"/>
                 <a:t>Nhbank</a:t>
               </a:r>
-              <a:endParaRPr lang="en-US" altLang="ko-KR" dirty="0" smtClean="0"/>
+              <a:endParaRPr lang="en-US" altLang="ko-KR" smtClean="0"/>
             </a:p>
             <a:p>
-              <a:endParaRPr lang="en-US" altLang="ko-KR" dirty="0" smtClean="0"/>
+              <a:endParaRPr lang="en-US" altLang="ko-KR" smtClean="0"/>
             </a:p>
             <a:p>
-              <a:endParaRPr lang="en-US" altLang="ko-KR" dirty="0"/>
+              <a:r>
+                <a:rPr lang="en-US" altLang="ko-KR" smtClean="0"/>
+                <a:t>Interest</a:t>
+              </a:r>
             </a:p>
             <a:p>
-              <a:endParaRPr lang="en-US" altLang="ko-KR" dirty="0" smtClean="0"/>
+              <a:endParaRPr lang="en-US" altLang="ko-KR" smtClean="0"/>
             </a:p>
             <a:p>
-              <a:endParaRPr lang="en-US" altLang="ko-KR" dirty="0"/>
+              <a:endParaRPr lang="en-US" altLang="ko-KR"/>
             </a:p>
           </p:txBody>
         </p:sp>
@@ -3411,7 +3414,7 @@
         </p:nvGrpSpPr>
         <p:grpSpPr>
           <a:xfrm>
-            <a:off x="2173550" y="4632830"/>
+            <a:off x="1781671" y="4734428"/>
             <a:ext cx="2524526" cy="1477328"/>
             <a:chOff x="-590552" y="931077"/>
             <a:chExt cx="3035308" cy="1684245"/>
@@ -3445,41 +3448,46 @@
             <a:lstStyle/>
             <a:p>
               <a:r>
-                <a:rPr lang="en-US" altLang="ko-KR" dirty="0" smtClean="0"/>
-                <a:t>Clients</a:t>
+                <a:rPr lang="en-US" altLang="ko-KR" err="1" smtClean="0"/>
+                <a:t>ClientA,B,C</a:t>
               </a:r>
+              <a:r>
+                <a:rPr lang="en-US" altLang="ko-KR" smtClean="0"/>
+                <a:t>…..</a:t>
+              </a:r>
+              <a:endParaRPr lang="en-US" altLang="ko-KR" smtClean="0"/>
             </a:p>
             <a:p>
-              <a:endParaRPr lang="en-US" altLang="ko-KR" dirty="0"/>
+              <a:endParaRPr lang="en-US" altLang="ko-KR"/>
             </a:p>
             <a:p>
               <a:r>
-                <a:rPr lang="en-US" altLang="ko-KR" dirty="0" err="1" smtClean="0"/>
+                <a:rPr lang="en-US" altLang="ko-KR" err="1" smtClean="0"/>
                 <a:t>createClient</a:t>
               </a:r>
               <a:r>
-                <a:rPr lang="en-US" altLang="ko-KR" dirty="0" smtClean="0"/>
+                <a:rPr lang="en-US" altLang="ko-KR" smtClean="0"/>
                 <a:t>()</a:t>
               </a:r>
-              <a:endParaRPr lang="en-US" altLang="ko-KR" dirty="0"/>
+              <a:endParaRPr lang="en-US" altLang="ko-KR"/>
             </a:p>
             <a:p>
               <a:r>
-                <a:rPr lang="en-US" altLang="ko-KR" dirty="0" err="1" smtClean="0"/>
+                <a:rPr lang="en-US" altLang="ko-KR" err="1" smtClean="0"/>
                 <a:t>deleteClient</a:t>
               </a:r>
               <a:r>
-                <a:rPr lang="en-US" altLang="ko-KR" dirty="0" smtClean="0"/>
+                <a:rPr lang="en-US" altLang="ko-KR" smtClean="0"/>
                 <a:t>()</a:t>
               </a:r>
             </a:p>
             <a:p>
               <a:r>
-                <a:rPr lang="en-US" altLang="ko-KR" dirty="0" err="1" smtClean="0"/>
+                <a:rPr lang="en-US" altLang="ko-KR" err="1" smtClean="0"/>
                 <a:t>selectClient</a:t>
               </a:r>
               <a:r>
-                <a:rPr lang="en-US" altLang="ko-KR" dirty="0" smtClean="0"/>
+                <a:rPr lang="en-US" altLang="ko-KR" smtClean="0"/>
                 <a:t>()</a:t>
               </a:r>
             </a:p>
@@ -3529,7 +3537,7 @@
         </p:nvCxnSpPr>
         <p:spPr>
           <a:xfrm>
-            <a:off x="5651649" y="4051300"/>
+            <a:off x="5259770" y="4152898"/>
             <a:ext cx="3231513" cy="0"/>
           </a:xfrm>
           <a:prstGeom prst="line">
@@ -3554,14 +3562,12 @@
       <p:cxnSp>
         <p:nvCxnSpPr>
           <p:cNvPr id="37" name="직선 연결선 36"/>
-          <p:cNvCxnSpPr>
-            <a:endCxn id="22" idx="0"/>
-          </p:cNvCxnSpPr>
+          <p:cNvCxnSpPr/>
           <p:nvPr/>
         </p:nvCxnSpPr>
         <p:spPr>
           <a:xfrm>
-            <a:off x="7286624" y="4051300"/>
+            <a:off x="6894745" y="4152898"/>
             <a:ext cx="0" cy="584202"/>
           </a:xfrm>
           <a:prstGeom prst="line">
@@ -3591,7 +3597,7 @@
         </p:nvSpPr>
         <p:spPr>
           <a:xfrm>
-            <a:off x="7073900" y="3797300"/>
+            <a:off x="6682021" y="3898898"/>
             <a:ext cx="431800" cy="254000"/>
           </a:xfrm>
           <a:prstGeom prst="triangle">
@@ -3637,8 +3643,8 @@
         </p:nvCxnSpPr>
         <p:spPr>
           <a:xfrm flipH="1" flipV="1">
-            <a:off x="7283450" y="3033886"/>
-            <a:ext cx="6350" cy="763414"/>
+            <a:off x="6891571" y="3031647"/>
+            <a:ext cx="6350" cy="867251"/>
           </a:xfrm>
           <a:prstGeom prst="line">
             <a:avLst/>
@@ -3667,10 +3673,10 @@
         </p:nvGrpSpPr>
         <p:grpSpPr>
           <a:xfrm>
-            <a:off x="2273300" y="1206500"/>
-            <a:ext cx="2374900" cy="1785104"/>
+            <a:off x="1881421" y="1308098"/>
+            <a:ext cx="2374900" cy="1723549"/>
             <a:chOff x="6997700" y="1193800"/>
-            <a:chExt cx="3035300" cy="1630883"/>
+            <a:chExt cx="3035300" cy="1574646"/>
           </a:xfrm>
         </p:grpSpPr>
         <p:sp>
@@ -3682,7 +3688,7 @@
           <p:spPr>
             <a:xfrm>
               <a:off x="6997700" y="1193800"/>
-              <a:ext cx="3035300" cy="1630883"/>
+              <a:ext cx="3035300" cy="1574646"/>
             </a:xfrm>
             <a:prstGeom prst="rect">
               <a:avLst/>
@@ -3701,49 +3707,55 @@
             <a:lstStyle/>
             <a:p>
               <a:r>
-                <a:rPr lang="en-US" altLang="ko-KR" sz="2000" dirty="0" smtClean="0"/>
+                <a:rPr lang="en-US" altLang="ko-KR" sz="2000" smtClean="0"/>
                 <a:t>Client</a:t>
               </a:r>
+              <a:r>
+                <a:rPr lang="en-US" altLang="ko-KR" sz="2000"/>
+                <a:t>s</a:t>
+              </a:r>
+              <a:endParaRPr lang="en-US" altLang="ko-KR" sz="2000" smtClean="0"/>
             </a:p>
             <a:p>
-              <a:endParaRPr lang="en-US" altLang="ko-KR" sz="1400" dirty="0"/>
+              <a:endParaRPr lang="en-US" altLang="ko-KR" sz="1400"/>
             </a:p>
             <a:p>
               <a:r>
-                <a:rPr lang="en-US" altLang="ko-KR" dirty="0" err="1"/>
-                <a:t>openAccount</a:t>
+                <a:rPr lang="en-US" altLang="ko-KR" err="1" smtClean="0"/>
+                <a:t>HashMap</a:t>
               </a:r>
               <a:r>
-                <a:rPr lang="en-US" altLang="ko-KR" dirty="0" smtClean="0"/>
+                <a:rPr lang="en-US" altLang="ko-KR" smtClean="0"/>
+                <a:t>&lt;Client&gt;</a:t>
+              </a:r>
+              <a:endParaRPr lang="en-US" altLang="ko-KR" smtClean="0"/>
+            </a:p>
+            <a:p>
+              <a:r>
+                <a:rPr lang="en-US" altLang="ko-KR" err="1"/>
+                <a:t>getInstance</a:t>
+              </a:r>
+              <a:r>
+                <a:rPr lang="en-US" altLang="ko-KR" smtClean="0"/>
                 <a:t>()</a:t>
               </a:r>
             </a:p>
             <a:p>
               <a:r>
-                <a:rPr lang="en-US" altLang="ko-KR" dirty="0" err="1"/>
-                <a:t>closeAccount</a:t>
+                <a:rPr lang="en-US" altLang="ko-KR" err="1" smtClean="0"/>
+                <a:t>haveAccount</a:t>
               </a:r>
               <a:r>
-                <a:rPr lang="en-US" altLang="ko-KR" dirty="0" smtClean="0"/>
+                <a:rPr lang="en-US" altLang="ko-KR" smtClean="0"/>
                 <a:t>()</a:t>
               </a:r>
             </a:p>
             <a:p>
               <a:r>
-                <a:rPr lang="en-US" altLang="ko-KR" dirty="0"/>
-                <a:t>t</a:t>
-              </a:r>
-              <a:r>
-                <a:rPr lang="en-US" altLang="ko-KR" dirty="0" smtClean="0"/>
-                <a:t>ransfer()</a:t>
-              </a:r>
-            </a:p>
-            <a:p>
-              <a:r>
-                <a:rPr lang="en-US" altLang="ko-KR" dirty="0" smtClean="0"/>
+                <a:rPr lang="en-US" altLang="ko-KR" smtClean="0"/>
                 <a:t>…</a:t>
               </a:r>
-              <a:endParaRPr lang="en-US" altLang="ko-KR" dirty="0"/>
+              <a:endParaRPr lang="en-US" altLang="ko-KR"/>
             </a:p>
           </p:txBody>
         </p:sp>
@@ -3801,7 +3813,7 @@
           <a:ln w="12700">
             <a:solidFill>
               <a:schemeClr val="accent1">
-                <a:alpha val="46000"/>
+                <a:alpha val="70000"/>
               </a:schemeClr>
             </a:solidFill>
           </a:ln>
@@ -3826,28 +3838,28 @@
           <a:p>
             <a:pPr algn="ctr"/>
             <a:r>
-              <a:rPr lang="en-US" altLang="ko-KR" dirty="0" smtClean="0">
+              <a:rPr lang="en-US" altLang="ko-KR" smtClean="0">
                 <a:solidFill>
                   <a:schemeClr val="dk1">
-                    <a:alpha val="23000"/>
+                    <a:alpha val="26000"/>
                   </a:schemeClr>
                 </a:solidFill>
                 <a:effectLst>
-                  <a:outerShdw blurRad="50800" dist="50800" dir="5400000" algn="ctr" rotWithShape="0">
+                  <a:outerShdw sx="1000" sy="1000" algn="ctr" rotWithShape="0">
                     <a:srgbClr val="000000"/>
                   </a:outerShdw>
                 </a:effectLst>
               </a:rPr>
               <a:t>Console(View)</a:t>
             </a:r>
-            <a:endParaRPr lang="ko-KR" altLang="en-US" dirty="0">
+            <a:endParaRPr lang="ko-KR" altLang="en-US">
               <a:solidFill>
                 <a:schemeClr val="dk1">
-                  <a:alpha val="23000"/>
+                  <a:alpha val="26000"/>
                 </a:schemeClr>
               </a:solidFill>
               <a:effectLst>
-                <a:outerShdw blurRad="50800" dist="50800" dir="5400000" algn="ctr" rotWithShape="0">
+                <a:outerShdw sx="1000" sy="1000" algn="ctr" rotWithShape="0">
                   <a:srgbClr val="000000"/>
                 </a:outerShdw>
               </a:effectLst>
@@ -3864,7 +3876,7 @@
         <p:spPr>
           <a:xfrm>
             <a:off x="1202924" y="803016"/>
-            <a:ext cx="0" cy="1098246"/>
+            <a:ext cx="0" cy="986042"/>
           </a:xfrm>
           <a:prstGeom prst="line">
             <a:avLst/>
@@ -3872,7 +3884,7 @@
           <a:ln>
             <a:solidFill>
               <a:schemeClr val="accent1">
-                <a:alpha val="46000"/>
+                <a:alpha val="60000"/>
               </a:schemeClr>
             </a:solidFill>
           </a:ln>
@@ -3900,8 +3912,8 @@
         </p:nvCxnSpPr>
         <p:spPr>
           <a:xfrm>
-            <a:off x="1174754" y="1883601"/>
-            <a:ext cx="1123949" cy="0"/>
+            <a:off x="1202924" y="1789058"/>
+            <a:ext cx="678497" cy="2"/>
           </a:xfrm>
           <a:prstGeom prst="straightConnector1">
             <a:avLst/>
@@ -3909,7 +3921,7 @@
           <a:ln>
             <a:solidFill>
               <a:schemeClr val="accent1">
-                <a:alpha val="46000"/>
+                <a:alpha val="60000"/>
               </a:schemeClr>
             </a:solidFill>
             <a:tailEnd type="triangle"/>
@@ -3968,10 +3980,10 @@
           <a:p>
             <a:pPr algn="ctr"/>
             <a:r>
-              <a:rPr lang="en-US" altLang="ko-KR" sz="3600" dirty="0" smtClean="0"/>
+              <a:rPr lang="en-US" altLang="ko-KR" sz="3600" smtClean="0"/>
               <a:t>Class diagram</a:t>
             </a:r>
-            <a:endParaRPr lang="ko-KR" altLang="en-US" sz="3600" dirty="0"/>
+            <a:endParaRPr lang="ko-KR" altLang="en-US" sz="3600"/>
           </a:p>
         </p:txBody>
       </p:sp>
@@ -3983,7 +3995,7 @@
         </p:nvGrpSpPr>
         <p:grpSpPr>
           <a:xfrm>
-            <a:off x="8208747" y="4666080"/>
+            <a:off x="7816868" y="4734428"/>
             <a:ext cx="1528231" cy="1477328"/>
             <a:chOff x="-637806" y="1012973"/>
             <a:chExt cx="3068691" cy="2000042"/>
@@ -4017,22 +4029,22 @@
             <a:lstStyle/>
             <a:p>
               <a:r>
-                <a:rPr lang="en-US" altLang="ko-KR" dirty="0" err="1" smtClean="0"/>
+                <a:rPr lang="en-US" altLang="ko-KR" err="1" smtClean="0"/>
                 <a:t>wooribank</a:t>
               </a:r>
-              <a:endParaRPr lang="en-US" altLang="ko-KR" dirty="0" smtClean="0"/>
+              <a:endParaRPr lang="en-US" altLang="ko-KR" smtClean="0"/>
             </a:p>
             <a:p>
-              <a:endParaRPr lang="en-US" altLang="ko-KR" dirty="0" smtClean="0"/>
+              <a:endParaRPr lang="en-US" altLang="ko-KR" smtClean="0"/>
             </a:p>
             <a:p>
-              <a:endParaRPr lang="en-US" altLang="ko-KR" dirty="0"/>
+              <a:endParaRPr lang="en-US" altLang="ko-KR"/>
             </a:p>
             <a:p>
-              <a:endParaRPr lang="en-US" altLang="ko-KR" dirty="0" smtClean="0"/>
+              <a:endParaRPr lang="en-US" altLang="ko-KR" smtClean="0"/>
             </a:p>
             <a:p>
-              <a:endParaRPr lang="en-US" altLang="ko-KR" dirty="0"/>
+              <a:endParaRPr lang="en-US" altLang="ko-KR"/>
             </a:p>
           </p:txBody>
         </p:sp>
@@ -4080,7 +4092,7 @@
         </p:nvGrpSpPr>
         <p:grpSpPr>
           <a:xfrm>
-            <a:off x="6522136" y="4653311"/>
+            <a:off x="6130257" y="4734429"/>
             <a:ext cx="1511606" cy="1477328"/>
             <a:chOff x="-590552" y="1020055"/>
             <a:chExt cx="3035308" cy="2000042"/>
@@ -4114,22 +4126,22 @@
             <a:lstStyle/>
             <a:p>
               <a:r>
-                <a:rPr lang="en-US" altLang="ko-KR" dirty="0" err="1" smtClean="0"/>
+                <a:rPr lang="en-US" altLang="ko-KR" err="1" smtClean="0"/>
                 <a:t>Kbbank</a:t>
               </a:r>
-              <a:endParaRPr lang="en-US" altLang="ko-KR" dirty="0" smtClean="0"/>
+              <a:endParaRPr lang="en-US" altLang="ko-KR" smtClean="0"/>
             </a:p>
             <a:p>
-              <a:endParaRPr lang="en-US" altLang="ko-KR" dirty="0" smtClean="0"/>
+              <a:endParaRPr lang="en-US" altLang="ko-KR" smtClean="0"/>
             </a:p>
             <a:p>
-              <a:endParaRPr lang="en-US" altLang="ko-KR" dirty="0" smtClean="0"/>
+              <a:endParaRPr lang="en-US" altLang="ko-KR" smtClean="0"/>
             </a:p>
             <a:p>
-              <a:endParaRPr lang="en-US" altLang="ko-KR" dirty="0"/>
+              <a:endParaRPr lang="en-US" altLang="ko-KR"/>
             </a:p>
             <a:p>
-              <a:endParaRPr lang="en-US" altLang="ko-KR" dirty="0" smtClean="0"/>
+              <a:endParaRPr lang="en-US" altLang="ko-KR" smtClean="0"/>
             </a:p>
           </p:txBody>
         </p:sp>
@@ -4177,7 +4189,7 @@
         </p:nvCxnSpPr>
         <p:spPr>
           <a:xfrm>
-            <a:off x="8884547" y="4064069"/>
+            <a:off x="8492668" y="4165667"/>
             <a:ext cx="0" cy="602011"/>
           </a:xfrm>
           <a:prstGeom prst="line">
@@ -4209,7 +4221,7 @@
         </p:nvCxnSpPr>
         <p:spPr>
           <a:xfrm flipV="1">
-            <a:off x="5642466" y="4064070"/>
+            <a:off x="5250587" y="4165668"/>
             <a:ext cx="9183" cy="571432"/>
           </a:xfrm>
           <a:prstGeom prst="line">
@@ -4242,8 +4254,8 @@
         </p:nvCxnSpPr>
         <p:spPr>
           <a:xfrm flipV="1">
-            <a:off x="3435813" y="2991604"/>
-            <a:ext cx="24937" cy="1641226"/>
+            <a:off x="3043934" y="3031647"/>
+            <a:ext cx="24937" cy="1702781"/>
           </a:xfrm>
           <a:prstGeom prst="straightConnector1">
             <a:avLst/>
@@ -4275,7 +4287,7 @@
         </p:nvGrpSpPr>
         <p:grpSpPr>
           <a:xfrm>
-            <a:off x="4648200" y="1565931"/>
+            <a:off x="4256321" y="1667529"/>
             <a:ext cx="1447800" cy="273092"/>
             <a:chOff x="4648200" y="1565931"/>
             <a:chExt cx="1447800" cy="273092"/>
@@ -4360,6 +4372,157 @@
           </p:style>
         </p:cxnSp>
       </p:grpSp>
+      <p:grpSp>
+        <p:nvGrpSpPr>
+          <p:cNvPr id="41" name="그룹 40"/>
+          <p:cNvGrpSpPr/>
+          <p:nvPr/>
+        </p:nvGrpSpPr>
+        <p:grpSpPr>
+          <a:xfrm>
+            <a:off x="9387121" y="1308098"/>
+            <a:ext cx="2336800" cy="1723549"/>
+            <a:chOff x="9779000" y="1193800"/>
+            <a:chExt cx="2336800" cy="1240337"/>
+          </a:xfrm>
+        </p:grpSpPr>
+        <p:sp>
+          <p:nvSpPr>
+            <p:cNvPr id="48" name="TextBox 47"/>
+            <p:cNvSpPr txBox="1"/>
+            <p:nvPr/>
+          </p:nvSpPr>
+          <p:spPr>
+            <a:xfrm>
+              <a:off x="9779000" y="1193800"/>
+              <a:ext cx="2336800" cy="1240337"/>
+            </a:xfrm>
+            <a:prstGeom prst="rect">
+              <a:avLst/>
+            </a:prstGeom>
+            <a:noFill/>
+            <a:ln>
+              <a:solidFill>
+                <a:schemeClr val="tx1"/>
+              </a:solidFill>
+            </a:ln>
+          </p:spPr>
+          <p:txBody>
+            <a:bodyPr wrap="square" rtlCol="0">
+              <a:spAutoFit/>
+            </a:bodyPr>
+            <a:lstStyle/>
+            <a:p>
+              <a:r>
+                <a:rPr lang="en-US" altLang="ko-KR" sz="2000" smtClean="0"/>
+                <a:t>Accounts</a:t>
+              </a:r>
+              <a:endParaRPr lang="en-US" altLang="ko-KR" sz="2000" smtClean="0"/>
+            </a:p>
+            <a:p>
+              <a:endParaRPr lang="en-US" altLang="ko-KR" sz="900"/>
+            </a:p>
+            <a:p>
+              <a:r>
+                <a:rPr lang="en-US" altLang="ko-KR" err="1" smtClean="0"/>
+                <a:t>HashMap</a:t>
+              </a:r>
+              <a:r>
+                <a:rPr lang="en-US" altLang="ko-KR" smtClean="0"/>
+                <a:t>&lt;Account&gt;</a:t>
+              </a:r>
+            </a:p>
+            <a:p>
+              <a:r>
+                <a:rPr lang="en-US" altLang="ko-KR" err="1" smtClean="0"/>
+                <a:t>getInstance</a:t>
+              </a:r>
+              <a:r>
+                <a:rPr lang="en-US" altLang="ko-KR" smtClean="0"/>
+                <a:t>()</a:t>
+              </a:r>
+              <a:endParaRPr lang="en-US" altLang="ko-KR"/>
+            </a:p>
+            <a:p>
+              <a:endParaRPr lang="en-US" altLang="ko-KR"/>
+            </a:p>
+            <a:p>
+              <a:endParaRPr lang="en-US" altLang="ko-KR" smtClean="0"/>
+            </a:p>
+          </p:txBody>
+        </p:sp>
+        <p:cxnSp>
+          <p:nvCxnSpPr>
+            <p:cNvPr id="49" name="직선 연결선 48"/>
+            <p:cNvCxnSpPr/>
+            <p:nvPr/>
+          </p:nvCxnSpPr>
+          <p:spPr>
+            <a:xfrm>
+              <a:off x="9779000" y="1524270"/>
+              <a:ext cx="2336800" cy="0"/>
+            </a:xfrm>
+            <a:prstGeom prst="line">
+              <a:avLst/>
+            </a:prstGeom>
+            <a:ln>
+              <a:solidFill>
+                <a:schemeClr val="tx1"/>
+              </a:solidFill>
+            </a:ln>
+          </p:spPr>
+          <p:style>
+            <a:lnRef idx="1">
+              <a:schemeClr val="accent1"/>
+            </a:lnRef>
+            <a:fillRef idx="0">
+              <a:schemeClr val="accent1"/>
+            </a:fillRef>
+            <a:effectRef idx="0">
+              <a:schemeClr val="accent1"/>
+            </a:effectRef>
+            <a:fontRef idx="minor">
+              <a:schemeClr val="tx1"/>
+            </a:fontRef>
+          </p:style>
+        </p:cxnSp>
+      </p:grpSp>
+      <p:cxnSp>
+        <p:nvCxnSpPr>
+          <p:cNvPr id="51" name="직선 화살표 연결선 50"/>
+          <p:cNvCxnSpPr>
+            <a:stCxn id="13" idx="0"/>
+            <a:endCxn id="48" idx="2"/>
+          </p:cNvCxnSpPr>
+          <p:nvPr/>
+        </p:nvCxnSpPr>
+        <p:spPr>
+          <a:xfrm flipH="1" flipV="1">
+            <a:off x="10555521" y="3031647"/>
+            <a:ext cx="1957" cy="1702780"/>
+          </a:xfrm>
+          <a:prstGeom prst="straightConnector1">
+            <a:avLst/>
+          </a:prstGeom>
+          <a:ln>
+            <a:tailEnd type="triangle"/>
+          </a:ln>
+        </p:spPr>
+        <p:style>
+          <a:lnRef idx="1">
+            <a:schemeClr val="accent1"/>
+          </a:lnRef>
+          <a:fillRef idx="0">
+            <a:schemeClr val="accent1"/>
+          </a:fillRef>
+          <a:effectRef idx="0">
+            <a:schemeClr val="accent1"/>
+          </a:effectRef>
+          <a:fontRef idx="minor">
+            <a:schemeClr val="tx1"/>
+          </a:fontRef>
+        </p:style>
+      </p:cxnSp>
     </p:spTree>
     <p:extLst>
       <p:ext uri="{BB962C8B-B14F-4D97-AF65-F5344CB8AC3E}">
